--- a/Australia_weather.pptx
+++ b/Australia_weather.pptx
@@ -121,6 +121,11 @@
       </a:defRPr>
     </a:lvl9pPr>
   </p:defaultTextStyle>
+  <p:extLst>
+    <p:ext uri="{EFAFB233-063F-42B5-8137-9DF3F51BA10A}">
+      <p15:sldGuideLst xmlns:p15="http://schemas.microsoft.com/office/powerpoint/2012/main"/>
+    </p:ext>
+  </p:extLst>
 </p:presentation>
 </file>
 
@@ -206,7 +211,7 @@
           <a:p>
             <a:fld id="{065F9B46-3D16-464A-88C6-45338E550BE4}" type="datetimeFigureOut">
               <a:rPr lang="en-IN" smtClean="0"/>
-              <a:t>18-11-2019</a:t>
+              <a:t>20-11-2019</a:t>
             </a:fld>
             <a:endParaRPr lang="en-IN"/>
           </a:p>
@@ -623,7 +628,7 @@
           <a:p>
             <a:fld id="{1C5BC799-290C-45DF-BD61-245039833262}" type="datetimeFigureOut">
               <a:rPr lang="en-IN" smtClean="0"/>
-              <a:t>18-11-2019</a:t>
+              <a:t>20-11-2019</a:t>
             </a:fld>
             <a:endParaRPr lang="en-IN"/>
           </a:p>
@@ -823,7 +828,7 @@
           <a:p>
             <a:fld id="{1C5BC799-290C-45DF-BD61-245039833262}" type="datetimeFigureOut">
               <a:rPr lang="en-IN" smtClean="0"/>
-              <a:t>18-11-2019</a:t>
+              <a:t>20-11-2019</a:t>
             </a:fld>
             <a:endParaRPr lang="en-IN"/>
           </a:p>
@@ -1033,7 +1038,7 @@
           <a:p>
             <a:fld id="{1C5BC799-290C-45DF-BD61-245039833262}" type="datetimeFigureOut">
               <a:rPr lang="en-IN" smtClean="0"/>
-              <a:t>18-11-2019</a:t>
+              <a:t>20-11-2019</a:t>
             </a:fld>
             <a:endParaRPr lang="en-IN"/>
           </a:p>
@@ -1233,7 +1238,7 @@
           <a:p>
             <a:fld id="{1C5BC799-290C-45DF-BD61-245039833262}" type="datetimeFigureOut">
               <a:rPr lang="en-IN" smtClean="0"/>
-              <a:t>18-11-2019</a:t>
+              <a:t>20-11-2019</a:t>
             </a:fld>
             <a:endParaRPr lang="en-IN"/>
           </a:p>
@@ -1509,7 +1514,7 @@
           <a:p>
             <a:fld id="{1C5BC799-290C-45DF-BD61-245039833262}" type="datetimeFigureOut">
               <a:rPr lang="en-IN" smtClean="0"/>
-              <a:t>18-11-2019</a:t>
+              <a:t>20-11-2019</a:t>
             </a:fld>
             <a:endParaRPr lang="en-IN"/>
           </a:p>
@@ -1777,7 +1782,7 @@
           <a:p>
             <a:fld id="{1C5BC799-290C-45DF-BD61-245039833262}" type="datetimeFigureOut">
               <a:rPr lang="en-IN" smtClean="0"/>
-              <a:t>18-11-2019</a:t>
+              <a:t>20-11-2019</a:t>
             </a:fld>
             <a:endParaRPr lang="en-IN"/>
           </a:p>
@@ -2192,7 +2197,7 @@
           <a:p>
             <a:fld id="{1C5BC799-290C-45DF-BD61-245039833262}" type="datetimeFigureOut">
               <a:rPr lang="en-IN" smtClean="0"/>
-              <a:t>18-11-2019</a:t>
+              <a:t>20-11-2019</a:t>
             </a:fld>
             <a:endParaRPr lang="en-IN"/>
           </a:p>
@@ -2334,7 +2339,7 @@
           <a:p>
             <a:fld id="{1C5BC799-290C-45DF-BD61-245039833262}" type="datetimeFigureOut">
               <a:rPr lang="en-IN" smtClean="0"/>
-              <a:t>18-11-2019</a:t>
+              <a:t>20-11-2019</a:t>
             </a:fld>
             <a:endParaRPr lang="en-IN"/>
           </a:p>
@@ -2447,7 +2452,7 @@
           <a:p>
             <a:fld id="{1C5BC799-290C-45DF-BD61-245039833262}" type="datetimeFigureOut">
               <a:rPr lang="en-IN" smtClean="0"/>
-              <a:t>18-11-2019</a:t>
+              <a:t>20-11-2019</a:t>
             </a:fld>
             <a:endParaRPr lang="en-IN"/>
           </a:p>
@@ -2760,7 +2765,7 @@
           <a:p>
             <a:fld id="{1C5BC799-290C-45DF-BD61-245039833262}" type="datetimeFigureOut">
               <a:rPr lang="en-IN" smtClean="0"/>
-              <a:t>18-11-2019</a:t>
+              <a:t>20-11-2019</a:t>
             </a:fld>
             <a:endParaRPr lang="en-IN"/>
           </a:p>
@@ -3049,7 +3054,7 @@
           <a:p>
             <a:fld id="{1C5BC799-290C-45DF-BD61-245039833262}" type="datetimeFigureOut">
               <a:rPr lang="en-IN" smtClean="0"/>
-              <a:t>18-11-2019</a:t>
+              <a:t>20-11-2019</a:t>
             </a:fld>
             <a:endParaRPr lang="en-IN"/>
           </a:p>
@@ -3297,7 +3302,7 @@
           <a:p>
             <a:fld id="{1C5BC799-290C-45DF-BD61-245039833262}" type="datetimeFigureOut">
               <a:rPr lang="en-IN" smtClean="0"/>
-              <a:t>18-11-2019</a:t>
+              <a:t>20-11-2019</a:t>
             </a:fld>
             <a:endParaRPr lang="en-IN"/>
           </a:p>
@@ -8408,8 +8413,8 @@
         </p:nvSpPr>
         <p:spPr>
           <a:xfrm>
-            <a:off x="708526" y="5620824"/>
-            <a:ext cx="10774948" cy="841104"/>
+            <a:off x="230819" y="5356603"/>
+            <a:ext cx="11252655" cy="1301649"/>
           </a:xfrm>
           <a:prstGeom prst="rect">
             <a:avLst/>
@@ -8589,7 +8594,15 @@
             </a:pPr>
             <a:r>
               <a:rPr lang="en-US" sz="2400" dirty="0"/>
-              <a:t>Rainfall in Sydney and Adelaide hasn’t shown any specific trends over the years. However, Adelaide has always received lower rainfall than Sydney.</a:t>
+              <a:t>Adelaide and Melbourne have always received lower rainfall than Sydney and Brisbane. Turns out that Adelaide </a:t>
+            </a:r>
+            <a:r>
+              <a:rPr lang="en-US" sz="2400" b="1" dirty="0"/>
+              <a:t>is Australia's</a:t>
+            </a:r>
+            <a:r>
+              <a:rPr lang="en-US" sz="2400" dirty="0"/>
+              <a:t> driest capital. East coast lows (tropical cyclones that develop on the eastern coastline of Australia) bring large amounts of rainfall to eastern cities.</a:t>
             </a:r>
             <a:endParaRPr lang="en-IN" sz="2400" dirty="0"/>
           </a:p>
@@ -8597,10 +8610,10 @@
       </p:sp>
       <p:pic>
         <p:nvPicPr>
-          <p:cNvPr id="12" name="Picture 11">
-            <a:extLst>
-              <a:ext uri="{FF2B5EF4-FFF2-40B4-BE49-F238E27FC236}">
-                <a16:creationId xmlns:a16="http://schemas.microsoft.com/office/drawing/2014/main" id="{89829415-FA28-4714-B443-FBD182629F11}"/>
+          <p:cNvPr id="3" name="Picture 2">
+            <a:extLst>
+              <a:ext uri="{FF2B5EF4-FFF2-40B4-BE49-F238E27FC236}">
+                <a16:creationId xmlns:a16="http://schemas.microsoft.com/office/drawing/2014/main" id="{5C05982E-3AA1-4B41-8EFB-5EC1A40889FD}"/>
               </a:ext>
             </a:extLst>
           </p:cNvPr>
@@ -8610,29 +8623,61 @@
           <p:nvPr/>
         </p:nvPicPr>
         <p:blipFill>
-          <a:blip r:embed="rId2"/>
+          <a:blip r:embed="rId2">
+            <a:extLst>
+              <a:ext uri="{28A0092B-C50C-407E-A947-70E740481C1C}">
+                <a14:useLocalDpi xmlns:a14="http://schemas.microsoft.com/office/drawing/2010/main" val="0"/>
+              </a:ext>
+            </a:extLst>
+          </a:blip>
           <a:stretch>
             <a:fillRect/>
           </a:stretch>
         </p:blipFill>
         <p:spPr>
           <a:xfrm>
-            <a:off x="3453815" y="1682997"/>
-            <a:ext cx="5161765" cy="3451065"/>
+            <a:off x="6970161" y="1279852"/>
+            <a:ext cx="3722010" cy="3512546"/>
           </a:xfrm>
           <a:prstGeom prst="rect">
             <a:avLst/>
           </a:prstGeom>
-          <a:ln>
-            <a:noFill/>
-          </a:ln>
-          <a:effectLst>
-            <a:outerShdw blurRad="292100" dist="139700" dir="2700000" algn="tl" rotWithShape="0">
-              <a:srgbClr val="333333">
-                <a:alpha val="65000"/>
-              </a:srgbClr>
-            </a:outerShdw>
-          </a:effectLst>
+        </p:spPr>
+      </p:pic>
+      <p:pic>
+        <p:nvPicPr>
+          <p:cNvPr id="5" name="Picture 4">
+            <a:extLst>
+              <a:ext uri="{FF2B5EF4-FFF2-40B4-BE49-F238E27FC236}">
+                <a16:creationId xmlns:a16="http://schemas.microsoft.com/office/drawing/2014/main" id="{98B58799-D260-4E79-84F4-7C3AA3748CC0}"/>
+              </a:ext>
+            </a:extLst>
+          </p:cNvPr>
+          <p:cNvPicPr>
+            <a:picLocks noChangeAspect="1"/>
+          </p:cNvPicPr>
+          <p:nvPr/>
+        </p:nvPicPr>
+        <p:blipFill>
+          <a:blip r:embed="rId3">
+            <a:extLst>
+              <a:ext uri="{28A0092B-C50C-407E-A947-70E740481C1C}">
+                <a14:useLocalDpi xmlns:a14="http://schemas.microsoft.com/office/drawing/2010/main" val="0"/>
+              </a:ext>
+            </a:extLst>
+          </a:blip>
+          <a:stretch>
+            <a:fillRect/>
+          </a:stretch>
+        </p:blipFill>
+        <p:spPr>
+          <a:xfrm>
+            <a:off x="149621" y="1136137"/>
+            <a:ext cx="6029238" cy="4220466"/>
+          </a:xfrm>
+          <a:prstGeom prst="rect">
+            <a:avLst/>
+          </a:prstGeom>
         </p:spPr>
       </p:pic>
     </p:spTree>

--- a/Australia_weather.pptx
+++ b/Australia_weather.pptx
@@ -5,7 +5,7 @@
     <p:sldMasterId id="2147483648" r:id="rId1"/>
   </p:sldMasterIdLst>
   <p:notesMasterIdLst>
-    <p:notesMasterId r:id="rId17"/>
+    <p:notesMasterId r:id="rId18"/>
   </p:notesMasterIdLst>
   <p:sldIdLst>
     <p:sldId id="256" r:id="rId2"/>
@@ -19,10 +19,11 @@
     <p:sldId id="264" r:id="rId10"/>
     <p:sldId id="265" r:id="rId11"/>
     <p:sldId id="266" r:id="rId12"/>
-    <p:sldId id="267" r:id="rId13"/>
-    <p:sldId id="268" r:id="rId14"/>
-    <p:sldId id="269" r:id="rId15"/>
-    <p:sldId id="270" r:id="rId16"/>
+    <p:sldId id="271" r:id="rId13"/>
+    <p:sldId id="267" r:id="rId14"/>
+    <p:sldId id="268" r:id="rId15"/>
+    <p:sldId id="269" r:id="rId16"/>
+    <p:sldId id="270" r:id="rId17"/>
   </p:sldIdLst>
   <p:sldSz cx="12192000" cy="6858000"/>
   <p:notesSz cx="6858000" cy="9144000"/>
@@ -5282,6 +5283,283 @@
           <a:chExt cx="0" cy="0"/>
         </a:xfrm>
       </p:grpSpPr>
+      <p:pic>
+        <p:nvPicPr>
+          <p:cNvPr id="5" name="Content Placeholder 4">
+            <a:extLst>
+              <a:ext uri="{FF2B5EF4-FFF2-40B4-BE49-F238E27FC236}">
+                <a16:creationId xmlns:a16="http://schemas.microsoft.com/office/drawing/2014/main" id="{518739B8-8AC6-4812-BA6C-6034DD7C19E3}"/>
+              </a:ext>
+            </a:extLst>
+          </p:cNvPr>
+          <p:cNvPicPr>
+            <a:picLocks noGrp="1" noChangeAspect="1"/>
+          </p:cNvPicPr>
+          <p:nvPr>
+            <p:ph idx="1"/>
+          </p:nvPr>
+        </p:nvPicPr>
+        <p:blipFill>
+          <a:blip r:embed="rId2">
+            <a:extLst>
+              <a:ext uri="{28A0092B-C50C-407E-A947-70E740481C1C}">
+                <a14:useLocalDpi xmlns:a14="http://schemas.microsoft.com/office/drawing/2010/main" val="0"/>
+              </a:ext>
+            </a:extLst>
+          </a:blip>
+          <a:stretch>
+            <a:fillRect/>
+          </a:stretch>
+        </p:blipFill>
+        <p:spPr>
+          <a:xfrm>
+            <a:off x="2734994" y="465570"/>
+            <a:ext cx="4928723" cy="3378970"/>
+          </a:xfrm>
+        </p:spPr>
+      </p:pic>
+      <p:sp>
+        <p:nvSpPr>
+          <p:cNvPr id="6" name="Content Placeholder 2">
+            <a:extLst>
+              <a:ext uri="{FF2B5EF4-FFF2-40B4-BE49-F238E27FC236}">
+                <a16:creationId xmlns:a16="http://schemas.microsoft.com/office/drawing/2014/main" id="{1B08C6A2-21CF-44E1-923F-E3266B6092B2}"/>
+              </a:ext>
+            </a:extLst>
+          </p:cNvPr>
+          <p:cNvSpPr txBox="1">
+            <a:spLocks/>
+          </p:cNvSpPr>
+          <p:nvPr/>
+        </p:nvSpPr>
+        <p:spPr>
+          <a:xfrm>
+            <a:off x="2941771" y="4100381"/>
+            <a:ext cx="4721946" cy="1085850"/>
+          </a:xfrm>
+          <a:prstGeom prst="rect">
+            <a:avLst/>
+          </a:prstGeom>
+        </p:spPr>
+        <p:txBody>
+          <a:bodyPr vert="horz" lIns="91440" tIns="45720" rIns="91440" bIns="45720" rtlCol="0">
+            <a:noAutofit/>
+          </a:bodyPr>
+          <a:lstStyle>
+            <a:lvl1pPr marL="228600" indent="-228600" algn="l" defTabSz="914400" rtl="0" eaLnBrk="1" latinLnBrk="0" hangingPunct="1">
+              <a:lnSpc>
+                <a:spcPct val="90000"/>
+              </a:lnSpc>
+              <a:spcBef>
+                <a:spcPts val="1000"/>
+              </a:spcBef>
+              <a:buFont typeface="Arial" panose="020B0604020202020204" pitchFamily="34" charset="0"/>
+              <a:buChar char="•"/>
+              <a:defRPr sz="2800" kern="1200">
+                <a:solidFill>
+                  <a:schemeClr val="tx1"/>
+                </a:solidFill>
+                <a:latin typeface="+mn-lt"/>
+                <a:ea typeface="+mn-ea"/>
+                <a:cs typeface="+mn-cs"/>
+              </a:defRPr>
+            </a:lvl1pPr>
+            <a:lvl2pPr marL="685800" indent="-228600" algn="l" defTabSz="914400" rtl="0" eaLnBrk="1" latinLnBrk="0" hangingPunct="1">
+              <a:lnSpc>
+                <a:spcPct val="90000"/>
+              </a:lnSpc>
+              <a:spcBef>
+                <a:spcPts val="500"/>
+              </a:spcBef>
+              <a:buFont typeface="Arial" panose="020B0604020202020204" pitchFamily="34" charset="0"/>
+              <a:buChar char="•"/>
+              <a:defRPr sz="2400" kern="1200">
+                <a:solidFill>
+                  <a:schemeClr val="tx1"/>
+                </a:solidFill>
+                <a:latin typeface="+mn-lt"/>
+                <a:ea typeface="+mn-ea"/>
+                <a:cs typeface="+mn-cs"/>
+              </a:defRPr>
+            </a:lvl2pPr>
+            <a:lvl3pPr marL="1143000" indent="-228600" algn="l" defTabSz="914400" rtl="0" eaLnBrk="1" latinLnBrk="0" hangingPunct="1">
+              <a:lnSpc>
+                <a:spcPct val="90000"/>
+              </a:lnSpc>
+              <a:spcBef>
+                <a:spcPts val="500"/>
+              </a:spcBef>
+              <a:buFont typeface="Arial" panose="020B0604020202020204" pitchFamily="34" charset="0"/>
+              <a:buChar char="•"/>
+              <a:defRPr sz="2000" kern="1200">
+                <a:solidFill>
+                  <a:schemeClr val="tx1"/>
+                </a:solidFill>
+                <a:latin typeface="+mn-lt"/>
+                <a:ea typeface="+mn-ea"/>
+                <a:cs typeface="+mn-cs"/>
+              </a:defRPr>
+            </a:lvl3pPr>
+            <a:lvl4pPr marL="1600200" indent="-228600" algn="l" defTabSz="914400" rtl="0" eaLnBrk="1" latinLnBrk="0" hangingPunct="1">
+              <a:lnSpc>
+                <a:spcPct val="90000"/>
+              </a:lnSpc>
+              <a:spcBef>
+                <a:spcPts val="500"/>
+              </a:spcBef>
+              <a:buFont typeface="Arial" panose="020B0604020202020204" pitchFamily="34" charset="0"/>
+              <a:buChar char="•"/>
+              <a:defRPr sz="1800" kern="1200">
+                <a:solidFill>
+                  <a:schemeClr val="tx1"/>
+                </a:solidFill>
+                <a:latin typeface="+mn-lt"/>
+                <a:ea typeface="+mn-ea"/>
+                <a:cs typeface="+mn-cs"/>
+              </a:defRPr>
+            </a:lvl4pPr>
+            <a:lvl5pPr marL="2057400" indent="-228600" algn="l" defTabSz="914400" rtl="0" eaLnBrk="1" latinLnBrk="0" hangingPunct="1">
+              <a:lnSpc>
+                <a:spcPct val="90000"/>
+              </a:lnSpc>
+              <a:spcBef>
+                <a:spcPts val="500"/>
+              </a:spcBef>
+              <a:buFont typeface="Arial" panose="020B0604020202020204" pitchFamily="34" charset="0"/>
+              <a:buChar char="•"/>
+              <a:defRPr sz="1800" kern="1200">
+                <a:solidFill>
+                  <a:schemeClr val="tx1"/>
+                </a:solidFill>
+                <a:latin typeface="+mn-lt"/>
+                <a:ea typeface="+mn-ea"/>
+                <a:cs typeface="+mn-cs"/>
+              </a:defRPr>
+            </a:lvl5pPr>
+            <a:lvl6pPr marL="2514600" indent="-228600" algn="l" defTabSz="914400" rtl="0" eaLnBrk="1" latinLnBrk="0" hangingPunct="1">
+              <a:lnSpc>
+                <a:spcPct val="90000"/>
+              </a:lnSpc>
+              <a:spcBef>
+                <a:spcPts val="500"/>
+              </a:spcBef>
+              <a:buFont typeface="Arial" panose="020B0604020202020204" pitchFamily="34" charset="0"/>
+              <a:buChar char="•"/>
+              <a:defRPr sz="1800" kern="1200">
+                <a:solidFill>
+                  <a:schemeClr val="tx1"/>
+                </a:solidFill>
+                <a:latin typeface="+mn-lt"/>
+                <a:ea typeface="+mn-ea"/>
+                <a:cs typeface="+mn-cs"/>
+              </a:defRPr>
+            </a:lvl6pPr>
+            <a:lvl7pPr marL="2971800" indent="-228600" algn="l" defTabSz="914400" rtl="0" eaLnBrk="1" latinLnBrk="0" hangingPunct="1">
+              <a:lnSpc>
+                <a:spcPct val="90000"/>
+              </a:lnSpc>
+              <a:spcBef>
+                <a:spcPts val="500"/>
+              </a:spcBef>
+              <a:buFont typeface="Arial" panose="020B0604020202020204" pitchFamily="34" charset="0"/>
+              <a:buChar char="•"/>
+              <a:defRPr sz="1800" kern="1200">
+                <a:solidFill>
+                  <a:schemeClr val="tx1"/>
+                </a:solidFill>
+                <a:latin typeface="+mn-lt"/>
+                <a:ea typeface="+mn-ea"/>
+                <a:cs typeface="+mn-cs"/>
+              </a:defRPr>
+            </a:lvl7pPr>
+            <a:lvl8pPr marL="3429000" indent="-228600" algn="l" defTabSz="914400" rtl="0" eaLnBrk="1" latinLnBrk="0" hangingPunct="1">
+              <a:lnSpc>
+                <a:spcPct val="90000"/>
+              </a:lnSpc>
+              <a:spcBef>
+                <a:spcPts val="500"/>
+              </a:spcBef>
+              <a:buFont typeface="Arial" panose="020B0604020202020204" pitchFamily="34" charset="0"/>
+              <a:buChar char="•"/>
+              <a:defRPr sz="1800" kern="1200">
+                <a:solidFill>
+                  <a:schemeClr val="tx1"/>
+                </a:solidFill>
+                <a:latin typeface="+mn-lt"/>
+                <a:ea typeface="+mn-ea"/>
+                <a:cs typeface="+mn-cs"/>
+              </a:defRPr>
+            </a:lvl8pPr>
+            <a:lvl9pPr marL="3886200" indent="-228600" algn="l" defTabSz="914400" rtl="0" eaLnBrk="1" latinLnBrk="0" hangingPunct="1">
+              <a:lnSpc>
+                <a:spcPct val="90000"/>
+              </a:lnSpc>
+              <a:spcBef>
+                <a:spcPts val="500"/>
+              </a:spcBef>
+              <a:buFont typeface="Arial" panose="020B0604020202020204" pitchFamily="34" charset="0"/>
+              <a:buChar char="•"/>
+              <a:defRPr sz="1800" kern="1200">
+                <a:solidFill>
+                  <a:schemeClr val="tx1"/>
+                </a:solidFill>
+                <a:latin typeface="+mn-lt"/>
+                <a:ea typeface="+mn-ea"/>
+                <a:cs typeface="+mn-cs"/>
+              </a:defRPr>
+            </a:lvl9pPr>
+          </a:lstStyle>
+          <a:p>
+            <a:pPr marL="0" indent="0" algn="ctr">
+              <a:buNone/>
+            </a:pPr>
+            <a:r>
+              <a:rPr lang="en-US" sz="2300" dirty="0"/>
+              <a:t>Correlation co-efficient :</a:t>
+            </a:r>
+          </a:p>
+          <a:p>
+            <a:pPr marL="0" indent="0" algn="ctr">
+              <a:buNone/>
+            </a:pPr>
+            <a:r>
+              <a:rPr lang="en-US" sz="2300" dirty="0"/>
+              <a:t>0.569</a:t>
+            </a:r>
+            <a:endParaRPr lang="en-IN" sz="2300" dirty="0"/>
+          </a:p>
+        </p:txBody>
+      </p:sp>
+    </p:spTree>
+    <p:extLst>
+      <p:ext uri="{BB962C8B-B14F-4D97-AF65-F5344CB8AC3E}">
+        <p14:creationId xmlns:p14="http://schemas.microsoft.com/office/powerpoint/2010/main" val="1728588681"/>
+      </p:ext>
+    </p:extLst>
+  </p:cSld>
+  <p:clrMapOvr>
+    <a:masterClrMapping/>
+  </p:clrMapOvr>
+</p:sld>
+</file>
+
+<file path=ppt/slides/slide13.xml><?xml version="1.0" encoding="utf-8"?>
+<p:sld xmlns:a="http://schemas.openxmlformats.org/drawingml/2006/main" xmlns:r="http://schemas.openxmlformats.org/officeDocument/2006/relationships" xmlns:p="http://schemas.openxmlformats.org/presentationml/2006/main">
+  <p:cSld>
+    <p:spTree>
+      <p:nvGrpSpPr>
+        <p:cNvPr id="1" name=""/>
+        <p:cNvGrpSpPr/>
+        <p:nvPr/>
+      </p:nvGrpSpPr>
+      <p:grpSpPr>
+        <a:xfrm>
+          <a:off x="0" y="0"/>
+          <a:ext cx="0" cy="0"/>
+          <a:chOff x="0" y="0"/>
+          <a:chExt cx="0" cy="0"/>
+        </a:xfrm>
+      </p:grpSpPr>
       <p:sp>
         <p:nvSpPr>
           <p:cNvPr id="4" name="Rectangle 3">
@@ -5444,7 +5722,7 @@
 </p:sld>
 </file>
 
-<file path=ppt/slides/slide13.xml><?xml version="1.0" encoding="utf-8"?>
+<file path=ppt/slides/slide14.xml><?xml version="1.0" encoding="utf-8"?>
 <p:sld xmlns:a="http://schemas.openxmlformats.org/drawingml/2006/main" xmlns:r="http://schemas.openxmlformats.org/officeDocument/2006/relationships" xmlns:p="http://schemas.openxmlformats.org/presentationml/2006/main">
   <p:cSld>
     <p:spTree>
@@ -5663,7 +5941,7 @@
 </p:sld>
 </file>
 
-<file path=ppt/slides/slide14.xml><?xml version="1.0" encoding="utf-8"?>
+<file path=ppt/slides/slide15.xml><?xml version="1.0" encoding="utf-8"?>
 <p:sld xmlns:a="http://schemas.openxmlformats.org/drawingml/2006/main" xmlns:r="http://schemas.openxmlformats.org/officeDocument/2006/relationships" xmlns:p="http://schemas.openxmlformats.org/presentationml/2006/main">
   <p:cSld>
     <p:spTree>
@@ -5842,7 +6120,7 @@
 </p:sld>
 </file>
 
-<file path=ppt/slides/slide15.xml><?xml version="1.0" encoding="utf-8"?>
+<file path=ppt/slides/slide16.xml><?xml version="1.0" encoding="utf-8"?>
 <p:sld xmlns:a="http://schemas.openxmlformats.org/drawingml/2006/main" xmlns:r="http://schemas.openxmlformats.org/officeDocument/2006/relationships" xmlns:p="http://schemas.openxmlformats.org/presentationml/2006/main">
   <p:cSld>
     <p:spTree>
